--- a/Markov.pptx
+++ b/Markov.pptx
@@ -25,6 +25,14 @@
     <p:sldId id="273" r:id="rId19"/>
     <p:sldId id="274" r:id="rId20"/>
     <p:sldId id="275" r:id="rId21"/>
+    <p:sldId id="276" r:id="rId22"/>
+    <p:sldId id="277" r:id="rId23"/>
+    <p:sldId id="278" r:id="rId24"/>
+    <p:sldId id="279" r:id="rId25"/>
+    <p:sldId id="280" r:id="rId26"/>
+    <p:sldId id="281" r:id="rId27"/>
+    <p:sldId id="282" r:id="rId28"/>
+    <p:sldId id="283" r:id="rId29"/>
   </p:sldIdLst>
   <p:sldSz cx="9144000" cy="6858000" type="screen4x3"/>
   <p:notesSz cx="6858000" cy="9144000"/>
@@ -152,6 +160,14 @@
         <p14:section name="Untitled Section" id="{8A824B84-7791-48F7-8555-467FBF1607C4}">
           <p14:sldIdLst>
             <p14:sldId id="275"/>
+            <p14:sldId id="276"/>
+            <p14:sldId id="277"/>
+            <p14:sldId id="278"/>
+            <p14:sldId id="279"/>
+            <p14:sldId id="280"/>
+            <p14:sldId id="281"/>
+            <p14:sldId id="282"/>
+            <p14:sldId id="283"/>
           </p14:sldIdLst>
         </p14:section>
       </p14:sectionLst>
@@ -4507,10 +4523,89 @@
         </p:nvSpPr>
         <p:spPr/>
         <p:txBody>
-          <a:bodyPr/>
-          <a:lstStyle/>
-          <a:p>
-            <a:endParaRPr lang="en-US"/>
+          <a:bodyPr>
+            <a:normAutofit lnSpcReduction="10000"/>
+          </a:bodyPr>
+          <a:lstStyle/>
+          <a:p>
+            <a:r>
+              <a:rPr lang="en-US" dirty="0" err="1" smtClean="0"/>
+              <a:t>Acturial</a:t>
+            </a:r>
+            <a:r>
+              <a:rPr lang="en-US" dirty="0" smtClean="0"/>
+              <a:t> </a:t>
+            </a:r>
+          </a:p>
+          <a:p>
+            <a:r>
+              <a:rPr lang="en-US" b="1" dirty="0"/>
+              <a:t>Actuarial science</a:t>
+            </a:r>
+            <a:r>
+              <a:rPr lang="en-US" dirty="0"/>
+              <a:t> is the discipline that applies </a:t>
+            </a:r>
+            <a:r>
+              <a:rPr lang="en-US" dirty="0">
+                <a:hlinkClick r:id="rId2" tooltip="Mathematics"/>
+              </a:rPr>
+              <a:t>mathematical</a:t>
+            </a:r>
+            <a:r>
+              <a:rPr lang="en-US" dirty="0"/>
+              <a:t> and </a:t>
+            </a:r>
+            <a:r>
+              <a:rPr lang="en-US" dirty="0">
+                <a:hlinkClick r:id="rId3" tooltip="Statistics"/>
+              </a:rPr>
+              <a:t>statistical</a:t>
+            </a:r>
+            <a:r>
+              <a:rPr lang="en-US" dirty="0"/>
+              <a:t> methods to </a:t>
+            </a:r>
+            <a:r>
+              <a:rPr lang="en-US" dirty="0">
+                <a:hlinkClick r:id="rId4" tooltip="Risk assessment"/>
+              </a:rPr>
+              <a:t>assess risk</a:t>
+            </a:r>
+            <a:r>
+              <a:rPr lang="en-US" dirty="0"/>
+              <a:t> in </a:t>
+            </a:r>
+            <a:r>
+              <a:rPr lang="en-US" dirty="0">
+                <a:hlinkClick r:id="rId5" tooltip="Insurance"/>
+              </a:rPr>
+              <a:t>insurance</a:t>
+            </a:r>
+            <a:r>
+              <a:rPr lang="en-US" dirty="0"/>
+              <a:t>, </a:t>
+            </a:r>
+            <a:r>
+              <a:rPr lang="en-US" dirty="0">
+                <a:hlinkClick r:id="rId6" tooltip="Finance"/>
+              </a:rPr>
+              <a:t>finance</a:t>
+            </a:r>
+            <a:r>
+              <a:rPr lang="en-US" dirty="0"/>
+              <a:t> and other industries and professions. </a:t>
+            </a:r>
+            <a:r>
+              <a:rPr lang="en-US" dirty="0">
+                <a:hlinkClick r:id="rId7" tooltip="Actuary"/>
+              </a:rPr>
+              <a:t>Actuaries</a:t>
+            </a:r>
+            <a:r>
+              <a:rPr lang="en-US" dirty="0"/>
+              <a:t> are professionals trained in this discipline. In many countries, actuaries must demonstrate their competence by passing a series of rigorous professional examinations.</a:t>
+            </a:r>
           </a:p>
         </p:txBody>
       </p:sp>
@@ -4518,6 +4613,1076 @@
     <p:extLst>
       <p:ext uri="{BB962C8B-B14F-4D97-AF65-F5344CB8AC3E}">
         <p14:creationId xmlns:p14="http://schemas.microsoft.com/office/powerpoint/2010/main" val="2935206613"/>
+      </p:ext>
+    </p:extLst>
+  </p:cSld>
+  <p:clrMapOvr>
+    <a:masterClrMapping/>
+  </p:clrMapOvr>
+</p:sld>
+</file>
+
+<file path=ppt/slides/slide21.xml><?xml version="1.0" encoding="utf-8"?>
+<p:sld xmlns:a="http://schemas.openxmlformats.org/drawingml/2006/main" xmlns:r="http://schemas.openxmlformats.org/officeDocument/2006/relationships" xmlns:p="http://schemas.openxmlformats.org/presentationml/2006/main">
+  <p:cSld>
+    <p:spTree>
+      <p:nvGrpSpPr>
+        <p:cNvPr id="1" name=""/>
+        <p:cNvGrpSpPr/>
+        <p:nvPr/>
+      </p:nvGrpSpPr>
+      <p:grpSpPr>
+        <a:xfrm>
+          <a:off x="0" y="0"/>
+          <a:ext cx="0" cy="0"/>
+          <a:chOff x="0" y="0"/>
+          <a:chExt cx="0" cy="0"/>
+        </a:xfrm>
+      </p:grpSpPr>
+      <p:sp>
+        <p:nvSpPr>
+          <p:cNvPr id="2" name="Title 1"/>
+          <p:cNvSpPr>
+            <a:spLocks noGrp="1"/>
+          </p:cNvSpPr>
+          <p:nvPr>
+            <p:ph type="title"/>
+          </p:nvPr>
+        </p:nvSpPr>
+        <p:spPr/>
+        <p:txBody>
+          <a:bodyPr/>
+          <a:lstStyle/>
+          <a:p>
+            <a:endParaRPr lang="en-US"/>
+          </a:p>
+        </p:txBody>
+      </p:sp>
+      <p:pic>
+        <p:nvPicPr>
+          <p:cNvPr id="11266" name="Picture 2"/>
+          <p:cNvPicPr>
+            <a:picLocks noGrp="1" noChangeAspect="1" noChangeArrowheads="1"/>
+          </p:cNvPicPr>
+          <p:nvPr>
+            <p:ph idx="1"/>
+          </p:nvPr>
+        </p:nvPicPr>
+        <p:blipFill>
+          <a:blip r:embed="rId2">
+            <a:extLst>
+              <a:ext uri="{28A0092B-C50C-407E-A947-70E740481C1C}">
+                <a14:useLocalDpi xmlns:a14="http://schemas.microsoft.com/office/drawing/2010/main" val="0"/>
+              </a:ext>
+            </a:extLst>
+          </a:blip>
+          <a:srcRect/>
+          <a:stretch>
+            <a:fillRect/>
+          </a:stretch>
+        </p:blipFill>
+        <p:spPr bwMode="auto">
+          <a:xfrm>
+            <a:off x="1981200" y="0"/>
+            <a:ext cx="5181600" cy="6704676"/>
+          </a:xfrm>
+          <a:prstGeom prst="rect">
+            <a:avLst/>
+          </a:prstGeom>
+          <a:noFill/>
+          <a:ln>
+            <a:noFill/>
+          </a:ln>
+          <a:extLst>
+            <a:ext uri="{909E8E84-426E-40DD-AFC4-6F175D3DCCD1}">
+              <a14:hiddenFill xmlns:a14="http://schemas.microsoft.com/office/drawing/2010/main">
+                <a:solidFill>
+                  <a:schemeClr val="accent1"/>
+                </a:solidFill>
+              </a14:hiddenFill>
+            </a:ext>
+            <a:ext uri="{91240B29-F687-4F45-9708-019B960494DF}">
+              <a14:hiddenLine xmlns:a14="http://schemas.microsoft.com/office/drawing/2010/main" w="9525">
+                <a:solidFill>
+                  <a:schemeClr val="tx1"/>
+                </a:solidFill>
+                <a:miter lim="800000"/>
+                <a:headEnd/>
+                <a:tailEnd/>
+              </a14:hiddenLine>
+            </a:ext>
+          </a:extLst>
+        </p:spPr>
+      </p:pic>
+    </p:spTree>
+    <p:extLst>
+      <p:ext uri="{BB962C8B-B14F-4D97-AF65-F5344CB8AC3E}">
+        <p14:creationId xmlns:p14="http://schemas.microsoft.com/office/powerpoint/2010/main" val="149087573"/>
+      </p:ext>
+    </p:extLst>
+  </p:cSld>
+  <p:clrMapOvr>
+    <a:masterClrMapping/>
+  </p:clrMapOvr>
+</p:sld>
+</file>
+
+<file path=ppt/slides/slide22.xml><?xml version="1.0" encoding="utf-8"?>
+<p:sld xmlns:a="http://schemas.openxmlformats.org/drawingml/2006/main" xmlns:r="http://schemas.openxmlformats.org/officeDocument/2006/relationships" xmlns:p="http://schemas.openxmlformats.org/presentationml/2006/main">
+  <p:cSld>
+    <p:spTree>
+      <p:nvGrpSpPr>
+        <p:cNvPr id="1" name=""/>
+        <p:cNvGrpSpPr/>
+        <p:nvPr/>
+      </p:nvGrpSpPr>
+      <p:grpSpPr>
+        <a:xfrm>
+          <a:off x="0" y="0"/>
+          <a:ext cx="0" cy="0"/>
+          <a:chOff x="0" y="0"/>
+          <a:chExt cx="0" cy="0"/>
+        </a:xfrm>
+      </p:grpSpPr>
+      <p:sp>
+        <p:nvSpPr>
+          <p:cNvPr id="2" name="Title 1"/>
+          <p:cNvSpPr>
+            <a:spLocks noGrp="1"/>
+          </p:cNvSpPr>
+          <p:nvPr>
+            <p:ph type="title"/>
+          </p:nvPr>
+        </p:nvSpPr>
+        <p:spPr/>
+        <p:txBody>
+          <a:bodyPr/>
+          <a:lstStyle/>
+          <a:p>
+            <a:endParaRPr lang="en-US"/>
+          </a:p>
+        </p:txBody>
+      </p:sp>
+      <p:sp>
+        <p:nvSpPr>
+          <p:cNvPr id="3" name="Content Placeholder 2"/>
+          <p:cNvSpPr>
+            <a:spLocks noGrp="1"/>
+          </p:cNvSpPr>
+          <p:nvPr>
+            <p:ph idx="1"/>
+          </p:nvPr>
+        </p:nvSpPr>
+        <p:spPr/>
+        <p:txBody>
+          <a:bodyPr>
+            <a:normAutofit fontScale="92500" lnSpcReduction="10000"/>
+          </a:bodyPr>
+          <a:lstStyle/>
+          <a:p>
+            <a:r>
+              <a:rPr lang="en-US" b="1" dirty="0"/>
+              <a:t>Stochastic</a:t>
+            </a:r>
+            <a:r>
+              <a:rPr lang="en-US" dirty="0"/>
+              <a:t> refers to a randomly determined process.</a:t>
+            </a:r>
+            <a:r>
+              <a:rPr lang="en-US" baseline="30000" dirty="0">
+                <a:hlinkClick r:id="rId2"/>
+              </a:rPr>
+              <a:t>[1]</a:t>
+            </a:r>
+            <a:r>
+              <a:rPr lang="en-US" dirty="0"/>
+              <a:t> The word first appeared in English to describe a mathematical object called a </a:t>
+            </a:r>
+            <a:r>
+              <a:rPr lang="en-US" dirty="0">
+                <a:hlinkClick r:id="rId3" tooltip="Stochastic process"/>
+              </a:rPr>
+              <a:t>stochastic process</a:t>
+            </a:r>
+            <a:r>
+              <a:rPr lang="en-US" dirty="0"/>
+              <a:t>, but now in mathematics the terms </a:t>
+            </a:r>
+            <a:r>
+              <a:rPr lang="en-US" i="1" dirty="0"/>
+              <a:t>stochastic process</a:t>
+            </a:r>
+            <a:r>
+              <a:rPr lang="en-US" dirty="0"/>
+              <a:t> and </a:t>
+            </a:r>
+            <a:r>
+              <a:rPr lang="en-US" i="1" dirty="0"/>
+              <a:t>random process</a:t>
+            </a:r>
+            <a:r>
+              <a:rPr lang="en-US" dirty="0"/>
+              <a:t> are considered interchangeable.</a:t>
+            </a:r>
+            <a:r>
+              <a:rPr lang="en-US" baseline="30000" dirty="0">
+                <a:hlinkClick r:id="rId4"/>
+              </a:rPr>
+              <a:t>[2]</a:t>
+            </a:r>
+            <a:r>
+              <a:rPr lang="en-US" baseline="30000" dirty="0">
+                <a:hlinkClick r:id="rId5"/>
+              </a:rPr>
+              <a:t>[3]</a:t>
+            </a:r>
+            <a:r>
+              <a:rPr lang="en-US" baseline="30000" dirty="0">
+                <a:hlinkClick r:id="rId6"/>
+              </a:rPr>
+              <a:t>[4]</a:t>
+            </a:r>
+            <a:r>
+              <a:rPr lang="en-US" baseline="30000" dirty="0">
+                <a:hlinkClick r:id="rId7"/>
+              </a:rPr>
+              <a:t>[5]</a:t>
+            </a:r>
+            <a:r>
+              <a:rPr lang="en-US" baseline="30000" dirty="0">
+                <a:hlinkClick r:id="rId8"/>
+              </a:rPr>
+              <a:t>[6]</a:t>
+            </a:r>
+            <a:r>
+              <a:rPr lang="en-US" dirty="0"/>
+              <a:t> The word, with its current definition meaning random, came from German, but it originally came from </a:t>
+            </a:r>
+            <a:r>
+              <a:rPr lang="en-US" dirty="0">
+                <a:hlinkClick r:id="rId9" tooltip="Greek language"/>
+              </a:rPr>
+              <a:t>Greek</a:t>
+            </a:r>
+            <a:r>
+              <a:rPr lang="en-US" dirty="0"/>
+              <a:t> </a:t>
+            </a:r>
+            <a:r>
+              <a:rPr lang="en-US" dirty="0" err="1"/>
+              <a:t>στόχος</a:t>
+            </a:r>
+            <a:r>
+              <a:rPr lang="en-US" i="1" dirty="0"/>
+              <a:t> (</a:t>
+            </a:r>
+            <a:r>
+              <a:rPr lang="en-US" i="1" dirty="0" err="1"/>
+              <a:t>stókhos</a:t>
+            </a:r>
+            <a:r>
+              <a:rPr lang="en-US" i="1" dirty="0"/>
+              <a:t>)</a:t>
+            </a:r>
+            <a:r>
+              <a:rPr lang="en-US" dirty="0"/>
+              <a:t>, meaning 'aim, guess'</a:t>
+            </a:r>
+          </a:p>
+        </p:txBody>
+      </p:sp>
+    </p:spTree>
+    <p:extLst>
+      <p:ext uri="{BB962C8B-B14F-4D97-AF65-F5344CB8AC3E}">
+        <p14:creationId xmlns:p14="http://schemas.microsoft.com/office/powerpoint/2010/main" val="1763151310"/>
+      </p:ext>
+    </p:extLst>
+  </p:cSld>
+  <p:clrMapOvr>
+    <a:masterClrMapping/>
+  </p:clrMapOvr>
+</p:sld>
+</file>
+
+<file path=ppt/slides/slide23.xml><?xml version="1.0" encoding="utf-8"?>
+<p:sld xmlns:a="http://schemas.openxmlformats.org/drawingml/2006/main" xmlns:r="http://schemas.openxmlformats.org/officeDocument/2006/relationships" xmlns:p="http://schemas.openxmlformats.org/presentationml/2006/main">
+  <p:cSld>
+    <p:spTree>
+      <p:nvGrpSpPr>
+        <p:cNvPr id="1" name=""/>
+        <p:cNvGrpSpPr/>
+        <p:nvPr/>
+      </p:nvGrpSpPr>
+      <p:grpSpPr>
+        <a:xfrm>
+          <a:off x="0" y="0"/>
+          <a:ext cx="0" cy="0"/>
+          <a:chOff x="0" y="0"/>
+          <a:chExt cx="0" cy="0"/>
+        </a:xfrm>
+      </p:grpSpPr>
+      <p:sp>
+        <p:nvSpPr>
+          <p:cNvPr id="2" name="Title 1"/>
+          <p:cNvSpPr>
+            <a:spLocks noGrp="1"/>
+          </p:cNvSpPr>
+          <p:nvPr>
+            <p:ph type="title"/>
+          </p:nvPr>
+        </p:nvSpPr>
+        <p:spPr/>
+        <p:txBody>
+          <a:bodyPr/>
+          <a:lstStyle/>
+          <a:p>
+            <a:endParaRPr lang="en-US"/>
+          </a:p>
+        </p:txBody>
+      </p:sp>
+      <p:sp>
+        <p:nvSpPr>
+          <p:cNvPr id="3" name="Content Placeholder 2"/>
+          <p:cNvSpPr>
+            <a:spLocks noGrp="1"/>
+          </p:cNvSpPr>
+          <p:nvPr>
+            <p:ph idx="1"/>
+          </p:nvPr>
+        </p:nvSpPr>
+        <p:spPr/>
+        <p:txBody>
+          <a:bodyPr>
+            <a:normAutofit/>
+          </a:bodyPr>
+          <a:lstStyle/>
+          <a:p>
+            <a:r>
+              <a:rPr lang="en-US" dirty="0"/>
+              <a:t>In </a:t>
+            </a:r>
+            <a:r>
+              <a:rPr lang="en-US" dirty="0">
+                <a:hlinkClick r:id="rId2" tooltip="Artificial intelligence"/>
+              </a:rPr>
+              <a:t>artificial intelligence</a:t>
+            </a:r>
+            <a:r>
+              <a:rPr lang="en-US" dirty="0"/>
+              <a:t>, stochastic programs work by using probabilistic methods to solve problems, as in </a:t>
+            </a:r>
+            <a:endParaRPr lang="en-US" dirty="0" smtClean="0"/>
+          </a:p>
+          <a:p>
+            <a:r>
+              <a:rPr lang="en-US" dirty="0" smtClean="0">
+                <a:hlinkClick r:id="rId3" tooltip="Simulated annealing"/>
+              </a:rPr>
+              <a:t>simulated </a:t>
+            </a:r>
+            <a:r>
+              <a:rPr lang="en-US" dirty="0">
+                <a:hlinkClick r:id="rId3" tooltip="Simulated annealing"/>
+              </a:rPr>
+              <a:t>annealing</a:t>
+            </a:r>
+            <a:r>
+              <a:rPr lang="en-US" dirty="0" smtClean="0"/>
+              <a:t>,</a:t>
+            </a:r>
+          </a:p>
+          <a:p>
+            <a:r>
+              <a:rPr lang="en-US" dirty="0"/>
+              <a:t> </a:t>
+            </a:r>
+            <a:r>
+              <a:rPr lang="en-US" dirty="0">
+                <a:hlinkClick r:id="rId4" tooltip="Stochastic neural network"/>
+              </a:rPr>
+              <a:t>stochastic neural networks</a:t>
+            </a:r>
+            <a:r>
+              <a:rPr lang="en-US" dirty="0"/>
+              <a:t>, </a:t>
+            </a:r>
+            <a:endParaRPr lang="en-US" dirty="0" smtClean="0"/>
+          </a:p>
+          <a:p>
+            <a:r>
+              <a:rPr lang="en-US" dirty="0" smtClean="0">
+                <a:hlinkClick r:id="rId5" tooltip="Stochastic optimization"/>
+              </a:rPr>
+              <a:t>stochastic </a:t>
+            </a:r>
+            <a:r>
+              <a:rPr lang="en-US" dirty="0">
+                <a:hlinkClick r:id="rId5" tooltip="Stochastic optimization"/>
+              </a:rPr>
+              <a:t>optimization</a:t>
+            </a:r>
+            <a:r>
+              <a:rPr lang="en-US" dirty="0"/>
+              <a:t>, </a:t>
+            </a:r>
+            <a:endParaRPr lang="en-US" dirty="0" smtClean="0"/>
+          </a:p>
+          <a:p>
+            <a:r>
+              <a:rPr lang="en-US" dirty="0" smtClean="0">
+                <a:hlinkClick r:id="rId6" tooltip="Genetic algorithm"/>
+              </a:rPr>
+              <a:t>genetic </a:t>
+            </a:r>
+            <a:r>
+              <a:rPr lang="en-US" dirty="0">
+                <a:hlinkClick r:id="rId6" tooltip="Genetic algorithm"/>
+              </a:rPr>
+              <a:t>algorithms</a:t>
+            </a:r>
+            <a:r>
+              <a:rPr lang="en-US" dirty="0"/>
+              <a:t>, </a:t>
+            </a:r>
+            <a:r>
+              <a:rPr lang="en-US" dirty="0" smtClean="0"/>
+              <a:t>and</a:t>
+            </a:r>
+          </a:p>
+          <a:p>
+            <a:r>
+              <a:rPr lang="en-US" dirty="0"/>
+              <a:t> </a:t>
+            </a:r>
+            <a:r>
+              <a:rPr lang="en-US" dirty="0">
+                <a:hlinkClick r:id="rId7" tooltip="Genetic programming"/>
+              </a:rPr>
+              <a:t>genetic programming</a:t>
+            </a:r>
+            <a:r>
+              <a:rPr lang="en-US" dirty="0"/>
+              <a:t>. </a:t>
+            </a:r>
+          </a:p>
+        </p:txBody>
+      </p:sp>
+    </p:spTree>
+    <p:extLst>
+      <p:ext uri="{BB962C8B-B14F-4D97-AF65-F5344CB8AC3E}">
+        <p14:creationId xmlns:p14="http://schemas.microsoft.com/office/powerpoint/2010/main" val="2618189594"/>
+      </p:ext>
+    </p:extLst>
+  </p:cSld>
+  <p:clrMapOvr>
+    <a:masterClrMapping/>
+  </p:clrMapOvr>
+</p:sld>
+</file>
+
+<file path=ppt/slides/slide24.xml><?xml version="1.0" encoding="utf-8"?>
+<p:sld xmlns:a="http://schemas.openxmlformats.org/drawingml/2006/main" xmlns:r="http://schemas.openxmlformats.org/officeDocument/2006/relationships" xmlns:p="http://schemas.openxmlformats.org/presentationml/2006/main">
+  <p:cSld>
+    <p:spTree>
+      <p:nvGrpSpPr>
+        <p:cNvPr id="1" name=""/>
+        <p:cNvGrpSpPr/>
+        <p:nvPr/>
+      </p:nvGrpSpPr>
+      <p:grpSpPr>
+        <a:xfrm>
+          <a:off x="0" y="0"/>
+          <a:ext cx="0" cy="0"/>
+          <a:chOff x="0" y="0"/>
+          <a:chExt cx="0" cy="0"/>
+        </a:xfrm>
+      </p:grpSpPr>
+      <p:sp>
+        <p:nvSpPr>
+          <p:cNvPr id="2" name="Title 1"/>
+          <p:cNvSpPr>
+            <a:spLocks noGrp="1"/>
+          </p:cNvSpPr>
+          <p:nvPr>
+            <p:ph type="title"/>
+          </p:nvPr>
+        </p:nvSpPr>
+        <p:spPr/>
+        <p:txBody>
+          <a:bodyPr/>
+          <a:lstStyle/>
+          <a:p>
+            <a:endParaRPr lang="en-US"/>
+          </a:p>
+        </p:txBody>
+      </p:sp>
+      <p:sp>
+        <p:nvSpPr>
+          <p:cNvPr id="3" name="Content Placeholder 2"/>
+          <p:cNvSpPr>
+            <a:spLocks noGrp="1"/>
+          </p:cNvSpPr>
+          <p:nvPr>
+            <p:ph idx="1"/>
+          </p:nvPr>
+        </p:nvSpPr>
+        <p:spPr/>
+        <p:txBody>
+          <a:bodyPr>
+            <a:normAutofit fontScale="77500" lnSpcReduction="20000"/>
+          </a:bodyPr>
+          <a:lstStyle/>
+          <a:p>
+            <a:r>
+              <a:rPr lang="en-US" dirty="0"/>
+              <a:t>The name "Monte Carlo" for the stochastic </a:t>
+            </a:r>
+            <a:r>
+              <a:rPr lang="en-US" dirty="0">
+                <a:hlinkClick r:id="rId2" tooltip="Monte Carlo method"/>
+              </a:rPr>
+              <a:t>Monte Carlo </a:t>
+            </a:r>
+            <a:r>
+              <a:rPr lang="en-US" dirty="0" smtClean="0">
+                <a:hlinkClick r:id="rId2" tooltip="Monte Carlo method"/>
+              </a:rPr>
+              <a:t>method</a:t>
+            </a:r>
+            <a:endParaRPr lang="en-US" dirty="0" smtClean="0"/>
+          </a:p>
+          <a:p>
+            <a:r>
+              <a:rPr lang="en-US" b="1" dirty="0"/>
+              <a:t>Monte Carlo methods</a:t>
+            </a:r>
+            <a:r>
+              <a:rPr lang="en-US" dirty="0"/>
+              <a:t>, or </a:t>
+            </a:r>
+            <a:r>
+              <a:rPr lang="en-US" b="1" dirty="0"/>
+              <a:t>Monte Carlo experiments</a:t>
+            </a:r>
+            <a:r>
+              <a:rPr lang="en-US" dirty="0"/>
+              <a:t>, are a broad class of </a:t>
+            </a:r>
+            <a:r>
+              <a:rPr lang="en-US" dirty="0">
+                <a:hlinkClick r:id="rId3" tooltip="Computation"/>
+              </a:rPr>
+              <a:t>computational</a:t>
+            </a:r>
+            <a:r>
+              <a:rPr lang="en-US" dirty="0"/>
+              <a:t> </a:t>
+            </a:r>
+            <a:r>
+              <a:rPr lang="en-US" dirty="0">
+                <a:hlinkClick r:id="rId4" tooltip="Algorithm"/>
+              </a:rPr>
+              <a:t>algorithms</a:t>
+            </a:r>
+            <a:r>
+              <a:rPr lang="en-US" dirty="0"/>
+              <a:t> that rely on repeated </a:t>
+            </a:r>
+            <a:r>
+              <a:rPr lang="en-US" dirty="0">
+                <a:hlinkClick r:id="rId5" tooltip="Random sampling"/>
+              </a:rPr>
+              <a:t>random sampling</a:t>
+            </a:r>
+            <a:r>
+              <a:rPr lang="en-US" dirty="0"/>
+              <a:t> to obtain numerical results. The underlying concept is to use </a:t>
+            </a:r>
+            <a:r>
+              <a:rPr lang="en-US" dirty="0">
+                <a:hlinkClick r:id="rId6" tooltip="Randomness"/>
+              </a:rPr>
+              <a:t>randomness</a:t>
+            </a:r>
+            <a:r>
+              <a:rPr lang="en-US" dirty="0"/>
+              <a:t> to solve problems that might be </a:t>
+            </a:r>
+            <a:r>
+              <a:rPr lang="en-US" dirty="0">
+                <a:hlinkClick r:id="rId7" tooltip="Deterministic system"/>
+              </a:rPr>
+              <a:t>deterministic</a:t>
+            </a:r>
+            <a:r>
+              <a:rPr lang="en-US" dirty="0"/>
+              <a:t> in principle. They are often used in </a:t>
+            </a:r>
+            <a:r>
+              <a:rPr lang="en-US" dirty="0">
+                <a:hlinkClick r:id="rId8" tooltip="Physics"/>
+              </a:rPr>
+              <a:t>physical</a:t>
+            </a:r>
+            <a:r>
+              <a:rPr lang="en-US" dirty="0"/>
+              <a:t> and </a:t>
+            </a:r>
+            <a:r>
+              <a:rPr lang="en-US" dirty="0">
+                <a:hlinkClick r:id="rId9" tooltip="Mathematics"/>
+              </a:rPr>
+              <a:t>mathematical</a:t>
+            </a:r>
+            <a:r>
+              <a:rPr lang="en-US" dirty="0"/>
+              <a:t> problems and are most useful when it is difficult or impossible to use other approaches. Monte Carlo methods are mainly used in three problem classes:</a:t>
+            </a:r>
+            <a:r>
+              <a:rPr lang="en-US" baseline="30000" dirty="0">
+                <a:hlinkClick r:id="rId10"/>
+              </a:rPr>
+              <a:t>[1]</a:t>
+            </a:r>
+            <a:r>
+              <a:rPr lang="en-US" dirty="0"/>
+              <a:t> </a:t>
+            </a:r>
+            <a:r>
+              <a:rPr lang="en-US" dirty="0">
+                <a:hlinkClick r:id="rId11" tooltip="Optimization"/>
+              </a:rPr>
+              <a:t>optimization</a:t>
+            </a:r>
+            <a:r>
+              <a:rPr lang="en-US" dirty="0"/>
+              <a:t>, </a:t>
+            </a:r>
+            <a:r>
+              <a:rPr lang="en-US" dirty="0">
+                <a:hlinkClick r:id="rId12" tooltip="Numerical integration"/>
+              </a:rPr>
+              <a:t>numerical integration</a:t>
+            </a:r>
+            <a:r>
+              <a:rPr lang="en-US" dirty="0"/>
+              <a:t>, and generating draws from a </a:t>
+            </a:r>
+            <a:r>
+              <a:rPr lang="en-US" dirty="0">
+                <a:hlinkClick r:id="rId13" tooltip="Probability distribution"/>
+              </a:rPr>
+              <a:t>probability distribution</a:t>
+            </a:r>
+            <a:r>
+              <a:rPr lang="en-US" dirty="0"/>
+              <a:t>.</a:t>
+            </a:r>
+          </a:p>
+        </p:txBody>
+      </p:sp>
+    </p:spTree>
+    <p:extLst>
+      <p:ext uri="{BB962C8B-B14F-4D97-AF65-F5344CB8AC3E}">
+        <p14:creationId xmlns:p14="http://schemas.microsoft.com/office/powerpoint/2010/main" val="2158320467"/>
+      </p:ext>
+    </p:extLst>
+  </p:cSld>
+  <p:clrMapOvr>
+    <a:masterClrMapping/>
+  </p:clrMapOvr>
+</p:sld>
+</file>
+
+<file path=ppt/slides/slide25.xml><?xml version="1.0" encoding="utf-8"?>
+<p:sld xmlns:a="http://schemas.openxmlformats.org/drawingml/2006/main" xmlns:r="http://schemas.openxmlformats.org/officeDocument/2006/relationships" xmlns:p="http://schemas.openxmlformats.org/presentationml/2006/main">
+  <p:cSld>
+    <p:spTree>
+      <p:nvGrpSpPr>
+        <p:cNvPr id="1" name=""/>
+        <p:cNvGrpSpPr/>
+        <p:nvPr/>
+      </p:nvGrpSpPr>
+      <p:grpSpPr>
+        <a:xfrm>
+          <a:off x="0" y="0"/>
+          <a:ext cx="0" cy="0"/>
+          <a:chOff x="0" y="0"/>
+          <a:chExt cx="0" cy="0"/>
+        </a:xfrm>
+      </p:grpSpPr>
+      <p:sp>
+        <p:nvSpPr>
+          <p:cNvPr id="2" name="Title 1"/>
+          <p:cNvSpPr>
+            <a:spLocks noGrp="1"/>
+          </p:cNvSpPr>
+          <p:nvPr>
+            <p:ph type="title"/>
+          </p:nvPr>
+        </p:nvSpPr>
+        <p:spPr/>
+        <p:txBody>
+          <a:bodyPr/>
+          <a:lstStyle/>
+          <a:p>
+            <a:endParaRPr lang="en-US"/>
+          </a:p>
+        </p:txBody>
+      </p:sp>
+      <p:pic>
+        <p:nvPicPr>
+          <p:cNvPr id="12290" name="Picture 2"/>
+          <p:cNvPicPr>
+            <a:picLocks noGrp="1" noChangeAspect="1" noChangeArrowheads="1"/>
+          </p:cNvPicPr>
+          <p:nvPr>
+            <p:ph idx="1"/>
+          </p:nvPr>
+        </p:nvPicPr>
+        <p:blipFill>
+          <a:blip r:embed="rId2">
+            <a:extLst>
+              <a:ext uri="{28A0092B-C50C-407E-A947-70E740481C1C}">
+                <a14:useLocalDpi xmlns:a14="http://schemas.microsoft.com/office/drawing/2010/main" val="0"/>
+              </a:ext>
+            </a:extLst>
+          </a:blip>
+          <a:srcRect/>
+          <a:stretch>
+            <a:fillRect/>
+          </a:stretch>
+        </p:blipFill>
+        <p:spPr bwMode="auto">
+          <a:xfrm>
+            <a:off x="548922" y="1600200"/>
+            <a:ext cx="8046156" cy="4525963"/>
+          </a:xfrm>
+          <a:prstGeom prst="rect">
+            <a:avLst/>
+          </a:prstGeom>
+          <a:noFill/>
+          <a:ln>
+            <a:noFill/>
+          </a:ln>
+          <a:extLst>
+            <a:ext uri="{909E8E84-426E-40DD-AFC4-6F175D3DCCD1}">
+              <a14:hiddenFill xmlns:a14="http://schemas.microsoft.com/office/drawing/2010/main">
+                <a:solidFill>
+                  <a:schemeClr val="accent1"/>
+                </a:solidFill>
+              </a14:hiddenFill>
+            </a:ext>
+            <a:ext uri="{91240B29-F687-4F45-9708-019B960494DF}">
+              <a14:hiddenLine xmlns:a14="http://schemas.microsoft.com/office/drawing/2010/main" w="9525">
+                <a:solidFill>
+                  <a:schemeClr val="tx1"/>
+                </a:solidFill>
+                <a:miter lim="800000"/>
+                <a:headEnd/>
+                <a:tailEnd/>
+              </a14:hiddenLine>
+            </a:ext>
+          </a:extLst>
+        </p:spPr>
+      </p:pic>
+    </p:spTree>
+    <p:extLst>
+      <p:ext uri="{BB962C8B-B14F-4D97-AF65-F5344CB8AC3E}">
+        <p14:creationId xmlns:p14="http://schemas.microsoft.com/office/powerpoint/2010/main" val="513461861"/>
+      </p:ext>
+    </p:extLst>
+  </p:cSld>
+  <p:clrMapOvr>
+    <a:masterClrMapping/>
+  </p:clrMapOvr>
+</p:sld>
+</file>
+
+<file path=ppt/slides/slide26.xml><?xml version="1.0" encoding="utf-8"?>
+<p:sld xmlns:a="http://schemas.openxmlformats.org/drawingml/2006/main" xmlns:r="http://schemas.openxmlformats.org/officeDocument/2006/relationships" xmlns:p="http://schemas.openxmlformats.org/presentationml/2006/main">
+  <p:cSld>
+    <p:spTree>
+      <p:nvGrpSpPr>
+        <p:cNvPr id="1" name=""/>
+        <p:cNvGrpSpPr/>
+        <p:nvPr/>
+      </p:nvGrpSpPr>
+      <p:grpSpPr>
+        <a:xfrm>
+          <a:off x="0" y="0"/>
+          <a:ext cx="0" cy="0"/>
+          <a:chOff x="0" y="0"/>
+          <a:chExt cx="0" cy="0"/>
+        </a:xfrm>
+      </p:grpSpPr>
+      <p:sp>
+        <p:nvSpPr>
+          <p:cNvPr id="2" name="Title 1"/>
+          <p:cNvSpPr>
+            <a:spLocks noGrp="1"/>
+          </p:cNvSpPr>
+          <p:nvPr>
+            <p:ph type="title"/>
+          </p:nvPr>
+        </p:nvSpPr>
+        <p:spPr/>
+        <p:txBody>
+          <a:bodyPr/>
+          <a:lstStyle/>
+          <a:p>
+            <a:endParaRPr lang="en-US"/>
+          </a:p>
+        </p:txBody>
+      </p:sp>
+      <p:pic>
+        <p:nvPicPr>
+          <p:cNvPr id="13314" name="Picture 2"/>
+          <p:cNvPicPr>
+            <a:picLocks noGrp="1" noChangeAspect="1" noChangeArrowheads="1"/>
+          </p:cNvPicPr>
+          <p:nvPr>
+            <p:ph idx="1"/>
+          </p:nvPr>
+        </p:nvPicPr>
+        <p:blipFill>
+          <a:blip r:embed="rId2">
+            <a:extLst>
+              <a:ext uri="{28A0092B-C50C-407E-A947-70E740481C1C}">
+                <a14:useLocalDpi xmlns:a14="http://schemas.microsoft.com/office/drawing/2010/main" val="0"/>
+              </a:ext>
+            </a:extLst>
+          </a:blip>
+          <a:srcRect/>
+          <a:stretch>
+            <a:fillRect/>
+          </a:stretch>
+        </p:blipFill>
+        <p:spPr bwMode="auto">
+          <a:xfrm>
+            <a:off x="548922" y="1600200"/>
+            <a:ext cx="8046156" cy="4525963"/>
+          </a:xfrm>
+          <a:prstGeom prst="rect">
+            <a:avLst/>
+          </a:prstGeom>
+          <a:noFill/>
+          <a:ln>
+            <a:noFill/>
+          </a:ln>
+          <a:extLst>
+            <a:ext uri="{909E8E84-426E-40DD-AFC4-6F175D3DCCD1}">
+              <a14:hiddenFill xmlns:a14="http://schemas.microsoft.com/office/drawing/2010/main">
+                <a:solidFill>
+                  <a:schemeClr val="accent1"/>
+                </a:solidFill>
+              </a14:hiddenFill>
+            </a:ext>
+            <a:ext uri="{91240B29-F687-4F45-9708-019B960494DF}">
+              <a14:hiddenLine xmlns:a14="http://schemas.microsoft.com/office/drawing/2010/main" w="9525">
+                <a:solidFill>
+                  <a:schemeClr val="tx1"/>
+                </a:solidFill>
+                <a:miter lim="800000"/>
+                <a:headEnd/>
+                <a:tailEnd/>
+              </a14:hiddenLine>
+            </a:ext>
+          </a:extLst>
+        </p:spPr>
+      </p:pic>
+    </p:spTree>
+    <p:extLst>
+      <p:ext uri="{BB962C8B-B14F-4D97-AF65-F5344CB8AC3E}">
+        <p14:creationId xmlns:p14="http://schemas.microsoft.com/office/powerpoint/2010/main" val="3829432414"/>
+      </p:ext>
+    </p:extLst>
+  </p:cSld>
+  <p:clrMapOvr>
+    <a:masterClrMapping/>
+  </p:clrMapOvr>
+</p:sld>
+</file>
+
+<file path=ppt/slides/slide27.xml><?xml version="1.0" encoding="utf-8"?>
+<p:sld xmlns:a="http://schemas.openxmlformats.org/drawingml/2006/main" xmlns:r="http://schemas.openxmlformats.org/officeDocument/2006/relationships" xmlns:p="http://schemas.openxmlformats.org/presentationml/2006/main">
+  <p:cSld>
+    <p:spTree>
+      <p:nvGrpSpPr>
+        <p:cNvPr id="1" name=""/>
+        <p:cNvGrpSpPr/>
+        <p:nvPr/>
+      </p:nvGrpSpPr>
+      <p:grpSpPr>
+        <a:xfrm>
+          <a:off x="0" y="0"/>
+          <a:ext cx="0" cy="0"/>
+          <a:chOff x="0" y="0"/>
+          <a:chExt cx="0" cy="0"/>
+        </a:xfrm>
+      </p:grpSpPr>
+      <p:sp>
+        <p:nvSpPr>
+          <p:cNvPr id="2" name="Title 1"/>
+          <p:cNvSpPr>
+            <a:spLocks noGrp="1"/>
+          </p:cNvSpPr>
+          <p:nvPr>
+            <p:ph type="title"/>
+          </p:nvPr>
+        </p:nvSpPr>
+        <p:spPr/>
+        <p:txBody>
+          <a:bodyPr/>
+          <a:lstStyle/>
+          <a:p>
+            <a:endParaRPr lang="en-US"/>
+          </a:p>
+        </p:txBody>
+      </p:sp>
+      <p:sp>
+        <p:nvSpPr>
+          <p:cNvPr id="3" name="Content Placeholder 2"/>
+          <p:cNvSpPr>
+            <a:spLocks noGrp="1"/>
+          </p:cNvSpPr>
+          <p:nvPr>
+            <p:ph idx="1"/>
+          </p:nvPr>
+        </p:nvSpPr>
+        <p:spPr/>
+        <p:txBody>
+          <a:bodyPr>
+            <a:normAutofit lnSpcReduction="10000"/>
+          </a:bodyPr>
+          <a:lstStyle/>
+          <a:p>
+            <a:r>
+              <a:rPr lang="en-US" dirty="0"/>
+              <a:t>First, </a:t>
+            </a:r>
+            <a:endParaRPr lang="en-US" dirty="0" smtClean="0"/>
+          </a:p>
+          <a:p>
+            <a:r>
+              <a:rPr lang="en-US" dirty="0" smtClean="0"/>
+              <a:t>the </a:t>
+            </a:r>
+            <a:r>
+              <a:rPr lang="en-US" dirty="0"/>
+              <a:t>only certainty is that there is no certainty. </a:t>
+            </a:r>
+            <a:endParaRPr lang="en-US" dirty="0" smtClean="0"/>
+          </a:p>
+          <a:p>
+            <a:r>
+              <a:rPr lang="en-US" dirty="0" smtClean="0"/>
+              <a:t>Second</a:t>
+            </a:r>
+            <a:r>
+              <a:rPr lang="en-US" dirty="0"/>
+              <a:t>, every decision as a consequence is a matter of weighing probabilities</a:t>
+            </a:r>
+            <a:r>
+              <a:rPr lang="en-US" dirty="0" smtClean="0"/>
+              <a:t>.</a:t>
+            </a:r>
+          </a:p>
+          <a:p>
+            <a:r>
+              <a:rPr lang="en-US" dirty="0" smtClean="0"/>
+              <a:t> </a:t>
+            </a:r>
+            <a:r>
+              <a:rPr lang="en-US" dirty="0"/>
+              <a:t>Third, despite uncertainty we must decide and we must act. </a:t>
+            </a:r>
+            <a:endParaRPr lang="en-US" dirty="0" smtClean="0"/>
+          </a:p>
+          <a:p>
+            <a:r>
+              <a:rPr lang="en-US" dirty="0" smtClean="0"/>
+              <a:t>And </a:t>
+            </a:r>
+            <a:r>
+              <a:rPr lang="en-US" dirty="0"/>
+              <a:t>lastly we need to judge decisions not only on the results, but how those decisions were made. – Robert E. Rubin</a:t>
+            </a:r>
+          </a:p>
+        </p:txBody>
+      </p:sp>
+    </p:spTree>
+    <p:extLst>
+      <p:ext uri="{BB962C8B-B14F-4D97-AF65-F5344CB8AC3E}">
+        <p14:creationId xmlns:p14="http://schemas.microsoft.com/office/powerpoint/2010/main" val="3329800445"/>
+      </p:ext>
+    </p:extLst>
+  </p:cSld>
+  <p:clrMapOvr>
+    <a:masterClrMapping/>
+  </p:clrMapOvr>
+</p:sld>
+</file>
+
+<file path=ppt/slides/slide28.xml><?xml version="1.0" encoding="utf-8"?>
+<p:sld xmlns:a="http://schemas.openxmlformats.org/drawingml/2006/main" xmlns:r="http://schemas.openxmlformats.org/officeDocument/2006/relationships" xmlns:p="http://schemas.openxmlformats.org/presentationml/2006/main">
+  <p:cSld>
+    <p:spTree>
+      <p:nvGrpSpPr>
+        <p:cNvPr id="1" name=""/>
+        <p:cNvGrpSpPr/>
+        <p:nvPr/>
+      </p:nvGrpSpPr>
+      <p:grpSpPr>
+        <a:xfrm>
+          <a:off x="0" y="0"/>
+          <a:ext cx="0" cy="0"/>
+          <a:chOff x="0" y="0"/>
+          <a:chExt cx="0" cy="0"/>
+        </a:xfrm>
+      </p:grpSpPr>
+      <p:sp>
+        <p:nvSpPr>
+          <p:cNvPr id="2" name="Title 1"/>
+          <p:cNvSpPr>
+            <a:spLocks noGrp="1"/>
+          </p:cNvSpPr>
+          <p:nvPr>
+            <p:ph type="title"/>
+          </p:nvPr>
+        </p:nvSpPr>
+        <p:spPr/>
+        <p:txBody>
+          <a:bodyPr/>
+          <a:lstStyle/>
+          <a:p>
+            <a:endParaRPr lang="en-US"/>
+          </a:p>
+        </p:txBody>
+      </p:sp>
+      <p:sp>
+        <p:nvSpPr>
+          <p:cNvPr id="3" name="Content Placeholder 2"/>
+          <p:cNvSpPr>
+            <a:spLocks noGrp="1"/>
+          </p:cNvSpPr>
+          <p:nvPr>
+            <p:ph idx="1"/>
+          </p:nvPr>
+        </p:nvSpPr>
+        <p:spPr/>
+        <p:txBody>
+          <a:bodyPr/>
+          <a:lstStyle/>
+          <a:p>
+            <a:endParaRPr lang="en-US"/>
+          </a:p>
+        </p:txBody>
+      </p:sp>
+    </p:spTree>
+    <p:extLst>
+      <p:ext uri="{BB962C8B-B14F-4D97-AF65-F5344CB8AC3E}">
+        <p14:creationId xmlns:p14="http://schemas.microsoft.com/office/powerpoint/2010/main" val="1194641478"/>
       </p:ext>
     </p:extLst>
   </p:cSld>
